--- a/Project Presentation.pptx
+++ b/Project Presentation.pptx
@@ -108,6 +108,11 @@
       </a:defRPr>
     </a:lvl9pPr>
   </p:defaultTextStyle>
+  <p:extLst>
+    <p:ext uri="{EFAFB233-063F-42B5-8137-9DF3F51BA10A}">
+      <p15:sldGuideLst xmlns:p15="http://schemas.microsoft.com/office/powerpoint/2012/main"/>
+    </p:ext>
+  </p:extLst>
 </p:presentation>
 </file>
 
@@ -6335,7 +6340,7 @@
           <a:p>
             <a:r>
               <a:rPr lang="en-US" sz="2500" dirty="0"/>
-              <a:t>Initiate and complete secure payment transactions.</a:t>
+              <a:t>Do payments.</a:t>
             </a:r>
           </a:p>
           <a:p>
@@ -6476,7 +6481,7 @@
         </p:spPr>
         <p:txBody>
           <a:bodyPr>
-            <a:normAutofit fontScale="92500" lnSpcReduction="10000"/>
+            <a:normAutofit lnSpcReduction="10000"/>
           </a:bodyPr>
           <a:lstStyle/>
           <a:p>
@@ -6922,7 +6927,7 @@
                 <a:ea typeface="Calibri" panose="020F0502020204030204" pitchFamily="34" charset="0"/>
                 <a:cs typeface="Times New Roman" panose="02020603050405020304" pitchFamily="18" charset="0"/>
               </a:rPr>
-              <a:t>Dashboard for Managers and Admins:</a:t>
+              <a:t>Dashboard for Users and Admins:</a:t>
             </a:r>
             <a:endParaRPr lang="en-US" sz="1600" kern="100" dirty="0">
               <a:effectLst/>
@@ -6956,56 +6961,8 @@
                 <a:ea typeface="Calibri" panose="020F0502020204030204" pitchFamily="34" charset="0"/>
                 <a:cs typeface="Times New Roman" panose="02020603050405020304" pitchFamily="18" charset="0"/>
               </a:rPr>
-              <a:t>Real-time monitoring of rental activities for Managers and Admins.</a:t>
-            </a:r>
-          </a:p>
-          <a:p>
-            <a:pPr marL="742950" marR="0" lvl="1" indent="-285750">
-              <a:lnSpc>
-                <a:spcPct val="107000"/>
-              </a:lnSpc>
-              <a:spcBef>
-                <a:spcPts val="0"/>
-              </a:spcBef>
-              <a:spcAft>
-                <a:spcPts val="0"/>
-              </a:spcAft>
-              <a:buSzPts val="1000"/>
-              <a:buFont typeface="Symbol" panose="05050102010706020507" pitchFamily="18" charset="2"/>
-              <a:buChar char=""/>
-              <a:tabLst>
-                <a:tab pos="914400" algn="l"/>
-              </a:tabLst>
-            </a:pPr>
-            <a:r>
-              <a:rPr lang="en-US" sz="1600" kern="100" dirty="0">
-                <a:effectLst/>
-                <a:latin typeface="Calibri" panose="020F0502020204030204" pitchFamily="34" charset="0"/>
-                <a:ea typeface="Calibri" panose="020F0502020204030204" pitchFamily="34" charset="0"/>
-                <a:cs typeface="Times New Roman" panose="02020603050405020304" pitchFamily="18" charset="0"/>
-              </a:rPr>
-              <a:t>Streamlined backend interfaces for efficient fleet and transaction management.</a:t>
-            </a:r>
-          </a:p>
-          <a:p>
-            <a:pPr marL="0" marR="0" indent="0">
-              <a:lnSpc>
-                <a:spcPct val="107000"/>
-              </a:lnSpc>
-              <a:spcBef>
-                <a:spcPts val="0"/>
-              </a:spcBef>
-              <a:spcAft>
-                <a:spcPts val="0"/>
-              </a:spcAft>
-              <a:buNone/>
-            </a:pPr>
-            <a:endParaRPr lang="en-US" sz="1600" kern="100" dirty="0">
-              <a:effectLst/>
-              <a:latin typeface="Calibri" panose="020F0502020204030204" pitchFamily="34" charset="0"/>
-              <a:ea typeface="Calibri" panose="020F0502020204030204" pitchFamily="34" charset="0"/>
-              <a:cs typeface="Times New Roman" panose="02020603050405020304" pitchFamily="18" charset="0"/>
-            </a:endParaRPr>
+              <a:t>Real-time Dashboard of rental activities for User and Admins.</a:t>
+            </a:r>
           </a:p>
           <a:p>
             <a:pPr marL="0" marR="0" indent="0">
